--- a/MySynthFinalDemonstartion.pptx
+++ b/MySynthFinalDemonstartion.pptx
@@ -116,6 +116,43 @@
 </p:presentation>
 </file>
 
+<file path=ppt/revisionInfo.xml><?xml version="1.0" encoding="utf-8"?>
+<p1510:revInfo xmlns:a="http://schemas.openxmlformats.org/drawingml/2006/main" xmlns:r="http://schemas.openxmlformats.org/officeDocument/2006/relationships" xmlns:p1510="http://schemas.microsoft.com/office/powerpoint/2015/10/main">
+  <p1510:revLst>
+    <p1510:client id="{5BDC154B-75B3-4732-84F7-8B44740C43ED}" v="1" dt="2019-04-24T07:12:13.002"/>
+  </p1510:revLst>
+</p1510:revInfo>
+</file>
+
+<file path=ppt/changesInfos/changesInfo1.xml><?xml version="1.0" encoding="utf-8"?>
+<pc:chgInfo xmlns:a="http://schemas.openxmlformats.org/drawingml/2006/main" xmlns:r="http://schemas.openxmlformats.org/officeDocument/2006/relationships" xmlns:ac="http://schemas.microsoft.com/office/drawing/2013/main/command" xmlns:pc="http://schemas.microsoft.com/office/powerpoint/2013/main/command">
+  <pc:docChgLst>
+    <pc:chgData name="Daniel Thomer" userId="c78293cb-7b6c-49c0-938b-0864d922de7b" providerId="ADAL" clId="{5BDC154B-75B3-4732-84F7-8B44740C43ED}"/>
+    <pc:docChg chg="modSld">
+      <pc:chgData name="Daniel Thomer" userId="c78293cb-7b6c-49c0-938b-0864d922de7b" providerId="ADAL" clId="{5BDC154B-75B3-4732-84F7-8B44740C43ED}" dt="2019-04-24T07:12:13.005" v="0" actId="20577"/>
+      <pc:docMkLst>
+        <pc:docMk/>
+      </pc:docMkLst>
+      <pc:sldChg chg="modSp">
+        <pc:chgData name="Daniel Thomer" userId="c78293cb-7b6c-49c0-938b-0864d922de7b" providerId="ADAL" clId="{5BDC154B-75B3-4732-84F7-8B44740C43ED}" dt="2019-04-24T07:12:13.005" v="0" actId="20577"/>
+        <pc:sldMkLst>
+          <pc:docMk/>
+          <pc:sldMk cId="2798734744" sldId="257"/>
+        </pc:sldMkLst>
+        <pc:spChg chg="mod">
+          <ac:chgData name="Daniel Thomer" userId="c78293cb-7b6c-49c0-938b-0864d922de7b" providerId="ADAL" clId="{5BDC154B-75B3-4732-84F7-8B44740C43ED}" dt="2019-04-24T07:12:13.005" v="0" actId="20577"/>
+          <ac:spMkLst>
+            <pc:docMk/>
+            <pc:sldMk cId="2798734744" sldId="257"/>
+            <ac:spMk id="7" creationId="{00000000-0000-0000-0000-000000000000}"/>
+          </ac:spMkLst>
+        </pc:spChg>
+      </pc:sldChg>
+    </pc:docChg>
+  </pc:docChgLst>
+</pc:chgInfo>
+</file>
+
 <file path=ppt/slideLayouts/slideLayout1.xml><?xml version="1.0" encoding="utf-8"?>
 <p:sldLayout xmlns:a="http://schemas.openxmlformats.org/drawingml/2006/main" xmlns:r="http://schemas.openxmlformats.org/officeDocument/2006/relationships" xmlns:p="http://schemas.openxmlformats.org/presentationml/2006/main" type="title" preserve="1">
   <p:cSld name="Title Slide">
@@ -192,7 +229,7 @@
           </a:lstStyle>
           <a:p>
             <a:r>
-              <a:rPr lang="en-US" smtClean="0"/>
+              <a:rPr lang="en-US"/>
               <a:t>Click to edit Master title style</a:t>
             </a:r>
             <a:endParaRPr lang="en-US" dirty="0"/>
@@ -288,7 +325,7 @@
           </a:lstStyle>
           <a:p>
             <a:r>
-              <a:rPr lang="en-US" smtClean="0"/>
+              <a:rPr lang="en-US"/>
               <a:t>Click to edit Master subtitle style</a:t>
             </a:r>
             <a:endParaRPr lang="en-US" dirty="0"/>
@@ -312,7 +349,7 @@
           <a:p>
             <a:fld id="{473A7091-CD45-492D-8125-9C1F36B2D33F}" type="datetimeFigureOut">
               <a:rPr lang="en-US" smtClean="0"/>
-              <a:t>4/22/2019</a:t>
+              <a:t>24-Apr-19</a:t>
             </a:fld>
             <a:endParaRPr lang="en-US"/>
           </a:p>
@@ -354,7 +391,7 @@
           <a:p>
             <a:fld id="{EF4B559D-4492-450F-8BA4-09C0E92EA3DB}" type="slidenum">
               <a:rPr lang="en-US" smtClean="0"/>
-              <a:t>‹#›</a:t>
+              <a:t>‹Nr.›</a:t>
             </a:fld>
             <a:endParaRPr lang="en-US"/>
           </a:p>
@@ -415,7 +452,7 @@
           </a:lstStyle>
           <a:p>
             <a:r>
-              <a:rPr lang="en-US" smtClean="0"/>
+              <a:rPr lang="en-US"/>
               <a:t>Click to edit Master title style</a:t>
             </a:r>
             <a:endParaRPr lang="en-US" dirty="0"/>
@@ -480,7 +517,7 @@
           </a:lstStyle>
           <a:p>
             <a:r>
-              <a:rPr lang="en-US" smtClean="0"/>
+              <a:rPr lang="en-US"/>
               <a:t>Click icon to add picture</a:t>
             </a:r>
             <a:endParaRPr lang="en-US" dirty="0"/>
@@ -570,7 +607,7 @@
           <a:p>
             <a:pPr lvl="0"/>
             <a:r>
-              <a:rPr lang="en-US" smtClean="0"/>
+              <a:rPr lang="en-US"/>
               <a:t>Edit Master text styles</a:t>
             </a:r>
           </a:p>
@@ -593,7 +630,7 @@
           <a:p>
             <a:fld id="{473A7091-CD45-492D-8125-9C1F36B2D33F}" type="datetimeFigureOut">
               <a:rPr lang="en-US" smtClean="0"/>
-              <a:t>4/22/2019</a:t>
+              <a:t>24-Apr-19</a:t>
             </a:fld>
             <a:endParaRPr lang="en-US"/>
           </a:p>
@@ -635,7 +672,7 @@
           <a:p>
             <a:fld id="{EF4B559D-4492-450F-8BA4-09C0E92EA3DB}" type="slidenum">
               <a:rPr lang="en-US" smtClean="0"/>
-              <a:t>‹#›</a:t>
+              <a:t>‹Nr.›</a:t>
             </a:fld>
             <a:endParaRPr lang="en-US"/>
           </a:p>
@@ -696,7 +733,7 @@
           </a:lstStyle>
           <a:p>
             <a:r>
-              <a:rPr lang="en-US" smtClean="0"/>
+              <a:rPr lang="en-US"/>
               <a:t>Click to edit Master title style</a:t>
             </a:r>
             <a:endParaRPr lang="en-US" dirty="0"/>
@@ -762,7 +799,7 @@
           <a:p>
             <a:pPr lvl="0"/>
             <a:r>
-              <a:rPr lang="en-US" smtClean="0"/>
+              <a:rPr lang="en-US"/>
               <a:t>Edit Master text styles</a:t>
             </a:r>
           </a:p>
@@ -785,7 +822,7 @@
           <a:p>
             <a:fld id="{473A7091-CD45-492D-8125-9C1F36B2D33F}" type="datetimeFigureOut">
               <a:rPr lang="en-US" smtClean="0"/>
-              <a:t>4/22/2019</a:t>
+              <a:t>24-Apr-19</a:t>
             </a:fld>
             <a:endParaRPr lang="en-US"/>
           </a:p>
@@ -827,7 +864,7 @@
           <a:p>
             <a:fld id="{EF4B559D-4492-450F-8BA4-09C0E92EA3DB}" type="slidenum">
               <a:rPr lang="en-US" smtClean="0"/>
-              <a:t>‹#›</a:t>
+              <a:t>‹Nr.›</a:t>
             </a:fld>
             <a:endParaRPr lang="en-US"/>
           </a:p>
@@ -888,7 +925,7 @@
           </a:lstStyle>
           <a:p>
             <a:r>
-              <a:rPr lang="en-US" smtClean="0"/>
+              <a:rPr lang="en-US"/>
               <a:t>Click to edit Master title style</a:t>
             </a:r>
             <a:endParaRPr lang="en-US" dirty="0"/>
@@ -956,7 +993,7 @@
           <a:p>
             <a:pPr lvl="0"/>
             <a:r>
-              <a:rPr lang="en-US" smtClean="0"/>
+              <a:rPr lang="en-US"/>
               <a:t>Edit Master text styles</a:t>
             </a:r>
           </a:p>
@@ -1023,7 +1060,7 @@
           <a:p>
             <a:pPr lvl="0"/>
             <a:r>
-              <a:rPr lang="en-US" smtClean="0"/>
+              <a:rPr lang="en-US"/>
               <a:t>Edit Master text styles</a:t>
             </a:r>
           </a:p>
@@ -1046,7 +1083,7 @@
           <a:p>
             <a:fld id="{473A7091-CD45-492D-8125-9C1F36B2D33F}" type="datetimeFigureOut">
               <a:rPr lang="en-US" smtClean="0"/>
-              <a:t>4/22/2019</a:t>
+              <a:t>24-Apr-19</a:t>
             </a:fld>
             <a:endParaRPr lang="en-US"/>
           </a:p>
@@ -1088,7 +1125,7 @@
           <a:p>
             <a:fld id="{EF4B559D-4492-450F-8BA4-09C0E92EA3DB}" type="slidenum">
               <a:rPr lang="en-US" smtClean="0"/>
-              <a:t>‹#›</a:t>
+              <a:t>‹Nr.›</a:t>
             </a:fld>
             <a:endParaRPr lang="en-US"/>
           </a:p>
@@ -1383,7 +1420,7 @@
           </a:lstStyle>
           <a:p>
             <a:r>
-              <a:rPr lang="en-US" smtClean="0"/>
+              <a:rPr lang="en-US"/>
               <a:t>Click to edit Master title style</a:t>
             </a:r>
             <a:endParaRPr lang="en-US" dirty="0"/>
@@ -1449,7 +1486,7 @@
           <a:p>
             <a:pPr lvl="0"/>
             <a:r>
-              <a:rPr lang="en-US" smtClean="0"/>
+              <a:rPr lang="en-US"/>
               <a:t>Edit Master text styles</a:t>
             </a:r>
           </a:p>
@@ -1472,7 +1509,7 @@
           <a:p>
             <a:fld id="{473A7091-CD45-492D-8125-9C1F36B2D33F}" type="datetimeFigureOut">
               <a:rPr lang="en-US" smtClean="0"/>
-              <a:t>4/22/2019</a:t>
+              <a:t>24-Apr-19</a:t>
             </a:fld>
             <a:endParaRPr lang="en-US"/>
           </a:p>
@@ -1514,7 +1551,7 @@
           <a:p>
             <a:fld id="{EF4B559D-4492-450F-8BA4-09C0E92EA3DB}" type="slidenum">
               <a:rPr lang="en-US" smtClean="0"/>
-              <a:t>‹#›</a:t>
+              <a:t>‹Nr.›</a:t>
             </a:fld>
             <a:endParaRPr lang="en-US"/>
           </a:p>
@@ -1571,7 +1608,7 @@
           <a:lstStyle/>
           <a:p>
             <a:r>
-              <a:rPr lang="en-US" smtClean="0"/>
+              <a:rPr lang="en-US"/>
               <a:t>Click to edit Master title style</a:t>
             </a:r>
             <a:endParaRPr lang="en-US" dirty="0"/>
@@ -1666,7 +1703,7 @@
           <a:p>
             <a:pPr lvl="0"/>
             <a:r>
-              <a:rPr lang="en-US" smtClean="0"/>
+              <a:rPr lang="en-US"/>
               <a:t>Edit Master text styles</a:t>
             </a:r>
           </a:p>
@@ -1733,7 +1770,7 @@
           <a:p>
             <a:pPr lvl="0"/>
             <a:r>
-              <a:rPr lang="en-US" smtClean="0"/>
+              <a:rPr lang="en-US"/>
               <a:t>Edit Master text styles</a:t>
             </a:r>
           </a:p>
@@ -1797,7 +1834,7 @@
               <a:buNone/>
             </a:pPr>
             <a:r>
-              <a:rPr lang="en-US" smtClean="0"/>
+              <a:rPr lang="en-US"/>
               <a:t>Edit Master text styles</a:t>
             </a:r>
           </a:p>
@@ -1864,7 +1901,7 @@
           <a:p>
             <a:pPr lvl="0"/>
             <a:r>
-              <a:rPr lang="en-US" smtClean="0"/>
+              <a:rPr lang="en-US"/>
               <a:t>Edit Master text styles</a:t>
             </a:r>
           </a:p>
@@ -1928,7 +1965,7 @@
               <a:buNone/>
             </a:pPr>
             <a:r>
-              <a:rPr lang="en-US" smtClean="0"/>
+              <a:rPr lang="en-US"/>
               <a:t>Edit Master text styles</a:t>
             </a:r>
           </a:p>
@@ -1995,7 +2032,7 @@
           <a:p>
             <a:pPr lvl="0"/>
             <a:r>
-              <a:rPr lang="en-US" smtClean="0"/>
+              <a:rPr lang="en-US"/>
               <a:t>Edit Master text styles</a:t>
             </a:r>
           </a:p>
@@ -2018,7 +2055,7 @@
           <a:p>
             <a:fld id="{473A7091-CD45-492D-8125-9C1F36B2D33F}" type="datetimeFigureOut">
               <a:rPr lang="en-US" smtClean="0"/>
-              <a:t>4/22/2019</a:t>
+              <a:t>24-Apr-19</a:t>
             </a:fld>
             <a:endParaRPr lang="en-US"/>
           </a:p>
@@ -2060,7 +2097,7 @@
           <a:p>
             <a:fld id="{EF4B559D-4492-450F-8BA4-09C0E92EA3DB}" type="slidenum">
               <a:rPr lang="en-US" smtClean="0"/>
-              <a:t>‹#›</a:t>
+              <a:t>‹Nr.›</a:t>
             </a:fld>
             <a:endParaRPr lang="en-US"/>
           </a:p>
@@ -2117,7 +2154,7 @@
           <a:lstStyle/>
           <a:p>
             <a:r>
-              <a:rPr lang="en-US" smtClean="0"/>
+              <a:rPr lang="en-US"/>
               <a:t>Click to edit Master title style</a:t>
             </a:r>
             <a:endParaRPr lang="en-US" dirty="0"/>
@@ -2208,7 +2245,7 @@
           <a:p>
             <a:pPr lvl="0"/>
             <a:r>
-              <a:rPr lang="en-US" smtClean="0"/>
+              <a:rPr lang="en-US"/>
               <a:t>Edit Master text styles</a:t>
             </a:r>
           </a:p>
@@ -2286,7 +2323,7 @@
           </a:lstStyle>
           <a:p>
             <a:r>
-              <a:rPr lang="en-US" smtClean="0"/>
+              <a:rPr lang="en-US"/>
               <a:t>Click icon to add picture</a:t>
             </a:r>
             <a:endParaRPr lang="en-US" dirty="0"/>
@@ -2354,7 +2391,7 @@
           <a:p>
             <a:pPr lvl="0"/>
             <a:r>
-              <a:rPr lang="en-US" smtClean="0"/>
+              <a:rPr lang="en-US"/>
               <a:t>Edit Master text styles</a:t>
             </a:r>
           </a:p>
@@ -2444,7 +2481,7 @@
           <a:p>
             <a:pPr lvl="0"/>
             <a:r>
-              <a:rPr lang="en-US" smtClean="0"/>
+              <a:rPr lang="en-US"/>
               <a:t>Edit Master text styles</a:t>
             </a:r>
           </a:p>
@@ -2522,7 +2559,7 @@
           </a:lstStyle>
           <a:p>
             <a:r>
-              <a:rPr lang="en-US" smtClean="0"/>
+              <a:rPr lang="en-US"/>
               <a:t>Click icon to add picture</a:t>
             </a:r>
             <a:endParaRPr lang="en-US" dirty="0"/>
@@ -2590,7 +2627,7 @@
           <a:p>
             <a:pPr lvl="0"/>
             <a:r>
-              <a:rPr lang="en-US" smtClean="0"/>
+              <a:rPr lang="en-US"/>
               <a:t>Edit Master text styles</a:t>
             </a:r>
           </a:p>
@@ -2680,7 +2717,7 @@
           <a:p>
             <a:pPr lvl="0"/>
             <a:r>
-              <a:rPr lang="en-US" smtClean="0"/>
+              <a:rPr lang="en-US"/>
               <a:t>Edit Master text styles</a:t>
             </a:r>
           </a:p>
@@ -2758,7 +2795,7 @@
           </a:lstStyle>
           <a:p>
             <a:r>
-              <a:rPr lang="en-US" smtClean="0"/>
+              <a:rPr lang="en-US"/>
               <a:t>Click icon to add picture</a:t>
             </a:r>
             <a:endParaRPr lang="en-US" dirty="0"/>
@@ -2826,7 +2863,7 @@
           <a:p>
             <a:pPr lvl="0"/>
             <a:r>
-              <a:rPr lang="en-US" smtClean="0"/>
+              <a:rPr lang="en-US"/>
               <a:t>Edit Master text styles</a:t>
             </a:r>
           </a:p>
@@ -2849,7 +2886,7 @@
           <a:p>
             <a:fld id="{473A7091-CD45-492D-8125-9C1F36B2D33F}" type="datetimeFigureOut">
               <a:rPr lang="en-US" smtClean="0"/>
-              <a:t>4/22/2019</a:t>
+              <a:t>24-Apr-19</a:t>
             </a:fld>
             <a:endParaRPr lang="en-US"/>
           </a:p>
@@ -2891,7 +2928,7 @@
           <a:p>
             <a:fld id="{EF4B559D-4492-450F-8BA4-09C0E92EA3DB}" type="slidenum">
               <a:rPr lang="en-US" smtClean="0"/>
-              <a:t>‹#›</a:t>
+              <a:t>‹Nr.›</a:t>
             </a:fld>
             <a:endParaRPr lang="en-US"/>
           </a:p>
@@ -2943,7 +2980,7 @@
           <a:lstStyle/>
           <a:p>
             <a:r>
-              <a:rPr lang="en-US" smtClean="0"/>
+              <a:rPr lang="en-US"/>
               <a:t>Click to edit Master title style</a:t>
             </a:r>
             <a:endParaRPr lang="en-US" dirty="0"/>
@@ -2967,35 +3004,35 @@
           <a:p>
             <a:pPr lvl="0"/>
             <a:r>
-              <a:rPr lang="en-US" smtClean="0"/>
+              <a:rPr lang="en-US"/>
               <a:t>Edit Master text styles</a:t>
             </a:r>
           </a:p>
           <a:p>
             <a:pPr lvl="1"/>
             <a:r>
-              <a:rPr lang="en-US" smtClean="0"/>
+              <a:rPr lang="en-US"/>
               <a:t>Second level</a:t>
             </a:r>
           </a:p>
           <a:p>
             <a:pPr lvl="2"/>
             <a:r>
-              <a:rPr lang="en-US" smtClean="0"/>
+              <a:rPr lang="en-US"/>
               <a:t>Third level</a:t>
             </a:r>
           </a:p>
           <a:p>
             <a:pPr lvl="3"/>
             <a:r>
-              <a:rPr lang="en-US" smtClean="0"/>
+              <a:rPr lang="en-US"/>
               <a:t>Fourth level</a:t>
             </a:r>
           </a:p>
           <a:p>
             <a:pPr lvl="4"/>
             <a:r>
-              <a:rPr lang="en-US" smtClean="0"/>
+              <a:rPr lang="en-US"/>
               <a:t>Fifth level</a:t>
             </a:r>
             <a:endParaRPr lang="en-US" dirty="0"/>
@@ -3019,7 +3056,7 @@
           <a:p>
             <a:fld id="{473A7091-CD45-492D-8125-9C1F36B2D33F}" type="datetimeFigureOut">
               <a:rPr lang="en-US" smtClean="0"/>
-              <a:t>4/22/2019</a:t>
+              <a:t>24-Apr-19</a:t>
             </a:fld>
             <a:endParaRPr lang="en-US"/>
           </a:p>
@@ -3061,7 +3098,7 @@
           <a:p>
             <a:fld id="{EF4B559D-4492-450F-8BA4-09C0E92EA3DB}" type="slidenum">
               <a:rPr lang="en-US" smtClean="0"/>
-              <a:t>‹#›</a:t>
+              <a:t>‹Nr.›</a:t>
             </a:fld>
             <a:endParaRPr lang="en-US"/>
           </a:p>
@@ -3118,7 +3155,7 @@
           <a:lstStyle/>
           <a:p>
             <a:r>
-              <a:rPr lang="en-US" smtClean="0"/>
+              <a:rPr lang="en-US"/>
               <a:t>Click to edit Master title style</a:t>
             </a:r>
             <a:endParaRPr lang="en-US" dirty="0"/>
@@ -3147,35 +3184,35 @@
           <a:p>
             <a:pPr lvl="0"/>
             <a:r>
-              <a:rPr lang="en-US" smtClean="0"/>
+              <a:rPr lang="en-US"/>
               <a:t>Edit Master text styles</a:t>
             </a:r>
           </a:p>
           <a:p>
             <a:pPr lvl="1"/>
             <a:r>
-              <a:rPr lang="en-US" smtClean="0"/>
+              <a:rPr lang="en-US"/>
               <a:t>Second level</a:t>
             </a:r>
           </a:p>
           <a:p>
             <a:pPr lvl="2"/>
             <a:r>
-              <a:rPr lang="en-US" smtClean="0"/>
+              <a:rPr lang="en-US"/>
               <a:t>Third level</a:t>
             </a:r>
           </a:p>
           <a:p>
             <a:pPr lvl="3"/>
             <a:r>
-              <a:rPr lang="en-US" smtClean="0"/>
+              <a:rPr lang="en-US"/>
               <a:t>Fourth level</a:t>
             </a:r>
           </a:p>
           <a:p>
             <a:pPr lvl="4"/>
             <a:r>
-              <a:rPr lang="en-US" smtClean="0"/>
+              <a:rPr lang="en-US"/>
               <a:t>Fifth level</a:t>
             </a:r>
             <a:endParaRPr lang="en-US" dirty="0"/>
@@ -3199,7 +3236,7 @@
           <a:p>
             <a:fld id="{473A7091-CD45-492D-8125-9C1F36B2D33F}" type="datetimeFigureOut">
               <a:rPr lang="en-US" smtClean="0"/>
-              <a:t>4/22/2019</a:t>
+              <a:t>24-Apr-19</a:t>
             </a:fld>
             <a:endParaRPr lang="en-US"/>
           </a:p>
@@ -3241,7 +3278,7 @@
           <a:p>
             <a:fld id="{EF4B559D-4492-450F-8BA4-09C0E92EA3DB}" type="slidenum">
               <a:rPr lang="en-US" smtClean="0"/>
-              <a:t>‹#›</a:t>
+              <a:t>‹Nr.›</a:t>
             </a:fld>
             <a:endParaRPr lang="en-US"/>
           </a:p>
@@ -3293,7 +3330,7 @@
           <a:lstStyle/>
           <a:p>
             <a:r>
-              <a:rPr lang="en-US" smtClean="0"/>
+              <a:rPr lang="en-US"/>
               <a:t>Click to edit Master title style</a:t>
             </a:r>
             <a:endParaRPr lang="en-US" dirty="0"/>
@@ -3317,35 +3354,35 @@
           <a:p>
             <a:pPr lvl="0"/>
             <a:r>
-              <a:rPr lang="en-US" smtClean="0"/>
+              <a:rPr lang="en-US"/>
               <a:t>Edit Master text styles</a:t>
             </a:r>
           </a:p>
           <a:p>
             <a:pPr lvl="1"/>
             <a:r>
-              <a:rPr lang="en-US" smtClean="0"/>
+              <a:rPr lang="en-US"/>
               <a:t>Second level</a:t>
             </a:r>
           </a:p>
           <a:p>
             <a:pPr lvl="2"/>
             <a:r>
-              <a:rPr lang="en-US" smtClean="0"/>
+              <a:rPr lang="en-US"/>
               <a:t>Third level</a:t>
             </a:r>
           </a:p>
           <a:p>
             <a:pPr lvl="3"/>
             <a:r>
-              <a:rPr lang="en-US" smtClean="0"/>
+              <a:rPr lang="en-US"/>
               <a:t>Fourth level</a:t>
             </a:r>
           </a:p>
           <a:p>
             <a:pPr lvl="4"/>
             <a:r>
-              <a:rPr lang="en-US" smtClean="0"/>
+              <a:rPr lang="en-US"/>
               <a:t>Fifth level</a:t>
             </a:r>
             <a:endParaRPr lang="en-US" dirty="0"/>
@@ -3369,7 +3406,7 @@
           <a:p>
             <a:fld id="{473A7091-CD45-492D-8125-9C1F36B2D33F}" type="datetimeFigureOut">
               <a:rPr lang="en-US" smtClean="0"/>
-              <a:t>4/22/2019</a:t>
+              <a:t>24-Apr-19</a:t>
             </a:fld>
             <a:endParaRPr lang="en-US"/>
           </a:p>
@@ -3411,7 +3448,7 @@
           <a:p>
             <a:fld id="{EF4B559D-4492-450F-8BA4-09C0E92EA3DB}" type="slidenum">
               <a:rPr lang="en-US" smtClean="0"/>
-              <a:t>‹#›</a:t>
+              <a:t>‹Nr.›</a:t>
             </a:fld>
             <a:endParaRPr lang="en-US"/>
           </a:p>
@@ -3506,7 +3543,7 @@
           </a:lstStyle>
           <a:p>
             <a:r>
-              <a:rPr lang="en-US" smtClean="0"/>
+              <a:rPr lang="en-US"/>
               <a:t>Click to edit Master title style</a:t>
             </a:r>
             <a:endParaRPr lang="en-US" dirty="0"/>
@@ -3602,7 +3639,7 @@
           </a:lstStyle>
           <a:p>
             <a:r>
-              <a:rPr lang="en-US" smtClean="0"/>
+              <a:rPr lang="en-US"/>
               <a:t>Click to edit Master subtitle style</a:t>
             </a:r>
             <a:endParaRPr lang="en-US" dirty="0"/>
@@ -3626,7 +3663,7 @@
           <a:p>
             <a:fld id="{473A7091-CD45-492D-8125-9C1F36B2D33F}" type="datetimeFigureOut">
               <a:rPr lang="en-US" smtClean="0"/>
-              <a:t>4/22/2019</a:t>
+              <a:t>24-Apr-19</a:t>
             </a:fld>
             <a:endParaRPr lang="en-US"/>
           </a:p>
@@ -3668,7 +3705,7 @@
           <a:p>
             <a:fld id="{EF4B559D-4492-450F-8BA4-09C0E92EA3DB}" type="slidenum">
               <a:rPr lang="en-US" smtClean="0"/>
-              <a:t>‹#›</a:t>
+              <a:t>‹Nr.›</a:t>
             </a:fld>
             <a:endParaRPr lang="en-US"/>
           </a:p>
@@ -3720,7 +3757,7 @@
           <a:lstStyle/>
           <a:p>
             <a:r>
-              <a:rPr lang="en-US" smtClean="0"/>
+              <a:rPr lang="en-US"/>
               <a:t>Click to edit Master title style</a:t>
             </a:r>
             <a:endParaRPr lang="en-US" dirty="0"/>
@@ -3749,35 +3786,35 @@
           <a:p>
             <a:pPr lvl="0"/>
             <a:r>
-              <a:rPr lang="en-US" smtClean="0"/>
+              <a:rPr lang="en-US"/>
               <a:t>Edit Master text styles</a:t>
             </a:r>
           </a:p>
           <a:p>
             <a:pPr lvl="1"/>
             <a:r>
-              <a:rPr lang="en-US" smtClean="0"/>
+              <a:rPr lang="en-US"/>
               <a:t>Second level</a:t>
             </a:r>
           </a:p>
           <a:p>
             <a:pPr lvl="2"/>
             <a:r>
-              <a:rPr lang="en-US" smtClean="0"/>
+              <a:rPr lang="en-US"/>
               <a:t>Third level</a:t>
             </a:r>
           </a:p>
           <a:p>
             <a:pPr lvl="3"/>
             <a:r>
-              <a:rPr lang="en-US" smtClean="0"/>
+              <a:rPr lang="en-US"/>
               <a:t>Fourth level</a:t>
             </a:r>
           </a:p>
           <a:p>
             <a:pPr lvl="4"/>
             <a:r>
-              <a:rPr lang="en-US" smtClean="0"/>
+              <a:rPr lang="en-US"/>
               <a:t>Fifth level</a:t>
             </a:r>
             <a:endParaRPr lang="en-US" dirty="0"/>
@@ -3806,35 +3843,35 @@
           <a:p>
             <a:pPr lvl="0"/>
             <a:r>
-              <a:rPr lang="en-US" smtClean="0"/>
+              <a:rPr lang="en-US"/>
               <a:t>Edit Master text styles</a:t>
             </a:r>
           </a:p>
           <a:p>
             <a:pPr lvl="1"/>
             <a:r>
-              <a:rPr lang="en-US" smtClean="0"/>
+              <a:rPr lang="en-US"/>
               <a:t>Second level</a:t>
             </a:r>
           </a:p>
           <a:p>
             <a:pPr lvl="2"/>
             <a:r>
-              <a:rPr lang="en-US" smtClean="0"/>
+              <a:rPr lang="en-US"/>
               <a:t>Third level</a:t>
             </a:r>
           </a:p>
           <a:p>
             <a:pPr lvl="3"/>
             <a:r>
-              <a:rPr lang="en-US" smtClean="0"/>
+              <a:rPr lang="en-US"/>
               <a:t>Fourth level</a:t>
             </a:r>
           </a:p>
           <a:p>
             <a:pPr lvl="4"/>
             <a:r>
-              <a:rPr lang="en-US" smtClean="0"/>
+              <a:rPr lang="en-US"/>
               <a:t>Fifth level</a:t>
             </a:r>
             <a:endParaRPr lang="en-US" dirty="0"/>
@@ -3858,7 +3895,7 @@
           <a:p>
             <a:fld id="{473A7091-CD45-492D-8125-9C1F36B2D33F}" type="datetimeFigureOut">
               <a:rPr lang="en-US" smtClean="0"/>
-              <a:t>4/22/2019</a:t>
+              <a:t>24-Apr-19</a:t>
             </a:fld>
             <a:endParaRPr lang="en-US"/>
           </a:p>
@@ -3900,7 +3937,7 @@
           <a:p>
             <a:fld id="{EF4B559D-4492-450F-8BA4-09C0E92EA3DB}" type="slidenum">
               <a:rPr lang="en-US" smtClean="0"/>
-              <a:t>‹#›</a:t>
+              <a:t>‹Nr.›</a:t>
             </a:fld>
             <a:endParaRPr lang="en-US"/>
           </a:p>
@@ -3957,7 +3994,7 @@
           <a:lstStyle/>
           <a:p>
             <a:r>
-              <a:rPr lang="en-US" smtClean="0"/>
+              <a:rPr lang="en-US"/>
               <a:t>Click to edit Master title style</a:t>
             </a:r>
             <a:endParaRPr lang="en-US" dirty="0"/>
@@ -4050,7 +4087,7 @@
           <a:p>
             <a:pPr lvl="0"/>
             <a:r>
-              <a:rPr lang="en-US" smtClean="0"/>
+              <a:rPr lang="en-US"/>
               <a:t>Edit Master text styles</a:t>
             </a:r>
           </a:p>
@@ -4078,35 +4115,35 @@
           <a:p>
             <a:pPr lvl="0"/>
             <a:r>
-              <a:rPr lang="en-US" smtClean="0"/>
+              <a:rPr lang="en-US"/>
               <a:t>Edit Master text styles</a:t>
             </a:r>
           </a:p>
           <a:p>
             <a:pPr lvl="1"/>
             <a:r>
-              <a:rPr lang="en-US" smtClean="0"/>
+              <a:rPr lang="en-US"/>
               <a:t>Second level</a:t>
             </a:r>
           </a:p>
           <a:p>
             <a:pPr lvl="2"/>
             <a:r>
-              <a:rPr lang="en-US" smtClean="0"/>
+              <a:rPr lang="en-US"/>
               <a:t>Third level</a:t>
             </a:r>
           </a:p>
           <a:p>
             <a:pPr lvl="3"/>
             <a:r>
-              <a:rPr lang="en-US" smtClean="0"/>
+              <a:rPr lang="en-US"/>
               <a:t>Fourth level</a:t>
             </a:r>
           </a:p>
           <a:p>
             <a:pPr lvl="4"/>
             <a:r>
-              <a:rPr lang="en-US" smtClean="0"/>
+              <a:rPr lang="en-US"/>
               <a:t>Fifth level</a:t>
             </a:r>
             <a:endParaRPr lang="en-US" dirty="0"/>
@@ -4171,7 +4208,7 @@
               <a:buNone/>
             </a:pPr>
             <a:r>
-              <a:rPr lang="en-US" smtClean="0"/>
+              <a:rPr lang="en-US"/>
               <a:t>Edit Master text styles</a:t>
             </a:r>
           </a:p>
@@ -4199,35 +4236,35 @@
           <a:p>
             <a:pPr lvl="0"/>
             <a:r>
-              <a:rPr lang="en-US" smtClean="0"/>
+              <a:rPr lang="en-US"/>
               <a:t>Edit Master text styles</a:t>
             </a:r>
           </a:p>
           <a:p>
             <a:pPr lvl="1"/>
             <a:r>
-              <a:rPr lang="en-US" smtClean="0"/>
+              <a:rPr lang="en-US"/>
               <a:t>Second level</a:t>
             </a:r>
           </a:p>
           <a:p>
             <a:pPr lvl="2"/>
             <a:r>
-              <a:rPr lang="en-US" smtClean="0"/>
+              <a:rPr lang="en-US"/>
               <a:t>Third level</a:t>
             </a:r>
           </a:p>
           <a:p>
             <a:pPr lvl="3"/>
             <a:r>
-              <a:rPr lang="en-US" smtClean="0"/>
+              <a:rPr lang="en-US"/>
               <a:t>Fourth level</a:t>
             </a:r>
           </a:p>
           <a:p>
             <a:pPr lvl="4"/>
             <a:r>
-              <a:rPr lang="en-US" smtClean="0"/>
+              <a:rPr lang="en-US"/>
               <a:t>Fifth level</a:t>
             </a:r>
             <a:endParaRPr lang="en-US" dirty="0"/>
@@ -4251,7 +4288,7 @@
           <a:p>
             <a:fld id="{473A7091-CD45-492D-8125-9C1F36B2D33F}" type="datetimeFigureOut">
               <a:rPr lang="en-US" smtClean="0"/>
-              <a:t>4/22/2019</a:t>
+              <a:t>24-Apr-19</a:t>
             </a:fld>
             <a:endParaRPr lang="en-US"/>
           </a:p>
@@ -4293,7 +4330,7 @@
           <a:p>
             <a:fld id="{EF4B559D-4492-450F-8BA4-09C0E92EA3DB}" type="slidenum">
               <a:rPr lang="en-US" smtClean="0"/>
-              <a:t>‹#›</a:t>
+              <a:t>‹Nr.›</a:t>
             </a:fld>
             <a:endParaRPr lang="en-US"/>
           </a:p>
@@ -4345,7 +4382,7 @@
           <a:lstStyle/>
           <a:p>
             <a:r>
-              <a:rPr lang="en-US" smtClean="0"/>
+              <a:rPr lang="en-US"/>
               <a:t>Click to edit Master title style</a:t>
             </a:r>
             <a:endParaRPr lang="en-US" dirty="0"/>
@@ -4369,7 +4406,7 @@
           <a:p>
             <a:fld id="{473A7091-CD45-492D-8125-9C1F36B2D33F}" type="datetimeFigureOut">
               <a:rPr lang="en-US" smtClean="0"/>
-              <a:t>4/22/2019</a:t>
+              <a:t>24-Apr-19</a:t>
             </a:fld>
             <a:endParaRPr lang="en-US"/>
           </a:p>
@@ -4411,7 +4448,7 @@
           <a:p>
             <a:fld id="{EF4B559D-4492-450F-8BA4-09C0E92EA3DB}" type="slidenum">
               <a:rPr lang="en-US" smtClean="0"/>
-              <a:t>‹#›</a:t>
+              <a:t>‹Nr.›</a:t>
             </a:fld>
             <a:endParaRPr lang="en-US"/>
           </a:p>
@@ -4464,7 +4501,7 @@
           <a:p>
             <a:fld id="{473A7091-CD45-492D-8125-9C1F36B2D33F}" type="datetimeFigureOut">
               <a:rPr lang="en-US" smtClean="0"/>
-              <a:t>4/22/2019</a:t>
+              <a:t>24-Apr-19</a:t>
             </a:fld>
             <a:endParaRPr lang="en-US"/>
           </a:p>
@@ -4506,7 +4543,7 @@
           <a:p>
             <a:fld id="{EF4B559D-4492-450F-8BA4-09C0E92EA3DB}" type="slidenum">
               <a:rPr lang="en-US" smtClean="0"/>
-              <a:t>‹#›</a:t>
+              <a:t>‹Nr.›</a:t>
             </a:fld>
             <a:endParaRPr lang="en-US"/>
           </a:p>
@@ -4567,7 +4604,7 @@
           </a:lstStyle>
           <a:p>
             <a:r>
-              <a:rPr lang="en-US" smtClean="0"/>
+              <a:rPr lang="en-US"/>
               <a:t>Click to edit Master title style</a:t>
             </a:r>
             <a:endParaRPr lang="en-US" dirty="0"/>
@@ -4596,35 +4633,35 @@
           <a:p>
             <a:pPr lvl="0"/>
             <a:r>
-              <a:rPr lang="en-US" smtClean="0"/>
+              <a:rPr lang="en-US"/>
               <a:t>Edit Master text styles</a:t>
             </a:r>
           </a:p>
           <a:p>
             <a:pPr lvl="1"/>
             <a:r>
-              <a:rPr lang="en-US" smtClean="0"/>
+              <a:rPr lang="en-US"/>
               <a:t>Second level</a:t>
             </a:r>
           </a:p>
           <a:p>
             <a:pPr lvl="2"/>
             <a:r>
-              <a:rPr lang="en-US" smtClean="0"/>
+              <a:rPr lang="en-US"/>
               <a:t>Third level</a:t>
             </a:r>
           </a:p>
           <a:p>
             <a:pPr lvl="3"/>
             <a:r>
-              <a:rPr lang="en-US" smtClean="0"/>
+              <a:rPr lang="en-US"/>
               <a:t>Fourth level</a:t>
             </a:r>
           </a:p>
           <a:p>
             <a:pPr lvl="4"/>
             <a:r>
-              <a:rPr lang="en-US" smtClean="0"/>
+              <a:rPr lang="en-US"/>
               <a:t>Fifth level</a:t>
             </a:r>
             <a:endParaRPr lang="en-US" dirty="0"/>
@@ -4714,7 +4751,7 @@
           <a:p>
             <a:pPr lvl="0"/>
             <a:r>
-              <a:rPr lang="en-US" smtClean="0"/>
+              <a:rPr lang="en-US"/>
               <a:t>Edit Master text styles</a:t>
             </a:r>
           </a:p>
@@ -4737,7 +4774,7 @@
           <a:p>
             <a:fld id="{473A7091-CD45-492D-8125-9C1F36B2D33F}" type="datetimeFigureOut">
               <a:rPr lang="en-US" smtClean="0"/>
-              <a:t>4/22/2019</a:t>
+              <a:t>24-Apr-19</a:t>
             </a:fld>
             <a:endParaRPr lang="en-US"/>
           </a:p>
@@ -4779,7 +4816,7 @@
           <a:p>
             <a:fld id="{EF4B559D-4492-450F-8BA4-09C0E92EA3DB}" type="slidenum">
               <a:rPr lang="en-US" smtClean="0"/>
-              <a:t>‹#›</a:t>
+              <a:t>‹Nr.›</a:t>
             </a:fld>
             <a:endParaRPr lang="en-US"/>
           </a:p>
@@ -4840,7 +4877,7 @@
           </a:lstStyle>
           <a:p>
             <a:r>
-              <a:rPr lang="en-US" smtClean="0"/>
+              <a:rPr lang="en-US"/>
               <a:t>Click to edit Master title style</a:t>
             </a:r>
             <a:endParaRPr lang="en-US" dirty="0"/>
@@ -4905,7 +4942,7 @@
           </a:lstStyle>
           <a:p>
             <a:r>
-              <a:rPr lang="en-US" smtClean="0"/>
+              <a:rPr lang="en-US"/>
               <a:t>Click icon to add picture</a:t>
             </a:r>
             <a:endParaRPr lang="en-US" dirty="0"/>
@@ -4995,7 +5032,7 @@
           <a:p>
             <a:pPr lvl="0"/>
             <a:r>
-              <a:rPr lang="en-US" smtClean="0"/>
+              <a:rPr lang="en-US"/>
               <a:t>Edit Master text styles</a:t>
             </a:r>
           </a:p>
@@ -5018,7 +5055,7 @@
           <a:p>
             <a:fld id="{473A7091-CD45-492D-8125-9C1F36B2D33F}" type="datetimeFigureOut">
               <a:rPr lang="en-US" smtClean="0"/>
-              <a:t>4/22/2019</a:t>
+              <a:t>24-Apr-19</a:t>
             </a:fld>
             <a:endParaRPr lang="en-US"/>
           </a:p>
@@ -5060,7 +5097,7 @@
           <a:p>
             <a:fld id="{EF4B559D-4492-450F-8BA4-09C0E92EA3DB}" type="slidenum">
               <a:rPr lang="en-US" smtClean="0"/>
-              <a:t>‹#›</a:t>
+              <a:t>‹Nr.›</a:t>
             </a:fld>
             <a:endParaRPr lang="en-US"/>
           </a:p>
@@ -5136,7 +5173,7 @@
           <a:lstStyle/>
           <a:p>
             <a:r>
-              <a:rPr lang="en-US" smtClean="0"/>
+              <a:rPr lang="en-US"/>
               <a:t>Click to edit Master title style</a:t>
             </a:r>
             <a:endParaRPr lang="en-US" dirty="0"/>
@@ -5170,35 +5207,35 @@
           <a:p>
             <a:pPr lvl="0"/>
             <a:r>
-              <a:rPr lang="en-US" smtClean="0"/>
+              <a:rPr lang="en-US"/>
               <a:t>Edit Master text styles</a:t>
             </a:r>
           </a:p>
           <a:p>
             <a:pPr lvl="1"/>
             <a:r>
-              <a:rPr lang="en-US" smtClean="0"/>
+              <a:rPr lang="en-US"/>
               <a:t>Second level</a:t>
             </a:r>
           </a:p>
           <a:p>
             <a:pPr lvl="2"/>
             <a:r>
-              <a:rPr lang="en-US" smtClean="0"/>
+              <a:rPr lang="en-US"/>
               <a:t>Third level</a:t>
             </a:r>
           </a:p>
           <a:p>
             <a:pPr lvl="3"/>
             <a:r>
-              <a:rPr lang="en-US" smtClean="0"/>
+              <a:rPr lang="en-US"/>
               <a:t>Fourth level</a:t>
             </a:r>
           </a:p>
           <a:p>
             <a:pPr lvl="4"/>
             <a:r>
-              <a:rPr lang="en-US" smtClean="0"/>
+              <a:rPr lang="en-US"/>
               <a:t>Fifth level</a:t>
             </a:r>
             <a:endParaRPr lang="en-US" dirty="0"/>
@@ -5258,7 +5295,7 @@
           <a:p>
             <a:fld id="{473A7091-CD45-492D-8125-9C1F36B2D33F}" type="datetimeFigureOut">
               <a:rPr lang="en-US" smtClean="0"/>
-              <a:t>4/22/2019</a:t>
+              <a:t>24-Apr-19</a:t>
             </a:fld>
             <a:endParaRPr lang="en-US"/>
           </a:p>
@@ -5372,7 +5409,7 @@
           <a:p>
             <a:fld id="{EF4B559D-4492-450F-8BA4-09C0E92EA3DB}" type="slidenum">
               <a:rPr lang="en-US" smtClean="0"/>
-              <a:t>‹#›</a:t>
+              <a:t>‹Nr.›</a:t>
             </a:fld>
             <a:endParaRPr lang="en-US"/>
           </a:p>
@@ -5843,15 +5880,11 @@
           <a:lstStyle/>
           <a:p>
             <a:r>
-              <a:rPr lang="fi-FI" dirty="0" err="1" smtClean="0"/>
+              <a:rPr lang="fi-FI" dirty="0" err="1"/>
               <a:t>MySynth</a:t>
             </a:r>
-            <a:r>
-              <a:rPr lang="fi-FI" dirty="0" smtClean="0"/>
-              <a:t/>
-            </a:r>
             <a:br>
-              <a:rPr lang="fi-FI" dirty="0" smtClean="0"/>
+              <a:rPr lang="fi-FI" dirty="0"/>
             </a:br>
             <a:endParaRPr lang="en-US" dirty="0"/>
           </a:p>
@@ -5880,47 +5913,47 @@
           <a:lstStyle/>
           <a:p>
             <a:r>
-              <a:rPr lang="en-US" sz="4800" dirty="0" smtClean="0"/>
+              <a:rPr lang="en-US" sz="4800" dirty="0"/>
               <a:t>Final</a:t>
             </a:r>
             <a:r>
-              <a:rPr lang="fi-FI" sz="4800" dirty="0" smtClean="0"/>
+              <a:rPr lang="fi-FI" sz="4800" dirty="0"/>
               <a:t> </a:t>
             </a:r>
             <a:r>
-              <a:rPr lang="en-US" sz="4800" dirty="0" smtClean="0"/>
+              <a:rPr lang="en-US" sz="4800" dirty="0"/>
               <a:t>prototype</a:t>
             </a:r>
             <a:r>
-              <a:rPr lang="fi-FI" sz="4800" dirty="0" smtClean="0"/>
+              <a:rPr lang="fi-FI" sz="4800" dirty="0"/>
               <a:t> </a:t>
             </a:r>
             <a:r>
-              <a:rPr lang="fi-FI" sz="4800" dirty="0" err="1" smtClean="0"/>
+              <a:rPr lang="fi-FI" sz="4800" dirty="0" err="1"/>
               <a:t>demonstration</a:t>
             </a:r>
             <a:r>
-              <a:rPr lang="fi-FI" sz="4800" dirty="0" smtClean="0"/>
+              <a:rPr lang="fi-FI" sz="4800" dirty="0"/>
               <a:t> </a:t>
             </a:r>
             <a:r>
-              <a:rPr lang="fi-FI" sz="4800" dirty="0" err="1" smtClean="0"/>
+              <a:rPr lang="fi-FI" sz="4800" dirty="0" err="1"/>
               <a:t>audio</a:t>
             </a:r>
             <a:r>
-              <a:rPr lang="fi-FI" sz="4800" dirty="0" smtClean="0"/>
+              <a:rPr lang="fi-FI" sz="4800" dirty="0"/>
               <a:t> </a:t>
             </a:r>
             <a:r>
-              <a:rPr lang="fi-FI" sz="4800" dirty="0" err="1" smtClean="0"/>
+              <a:rPr lang="fi-FI" sz="4800" dirty="0" err="1"/>
               <a:t>effects</a:t>
             </a:r>
             <a:r>
-              <a:rPr lang="fi-FI" sz="4800" dirty="0" smtClean="0"/>
+              <a:rPr lang="fi-FI" sz="4800" dirty="0"/>
               <a:t> </a:t>
             </a:r>
             <a:r>
-              <a:rPr lang="fi-FI" sz="4800" dirty="0" err="1" smtClean="0"/>
+              <a:rPr lang="fi-FI" sz="4800" dirty="0" err="1"/>
               <a:t>module</a:t>
             </a:r>
             <a:endParaRPr lang="en-US" sz="4800" dirty="0"/>
@@ -5973,19 +6006,19 @@
           <a:lstStyle/>
           <a:p>
             <a:r>
-              <a:rPr lang="fi-FI" dirty="0" err="1" smtClean="0"/>
+              <a:rPr lang="fi-FI" dirty="0" err="1"/>
               <a:t>Some</a:t>
             </a:r>
             <a:r>
-              <a:rPr lang="fi-FI" dirty="0" smtClean="0"/>
+              <a:rPr lang="fi-FI" dirty="0"/>
               <a:t> </a:t>
             </a:r>
             <a:r>
-              <a:rPr lang="fi-FI" dirty="0" err="1" smtClean="0"/>
+              <a:rPr lang="fi-FI" dirty="0" err="1"/>
               <a:t>history</a:t>
             </a:r>
             <a:r>
-              <a:rPr lang="fi-FI" dirty="0" smtClean="0"/>
+              <a:rPr lang="fi-FI" dirty="0"/>
               <a:t>.</a:t>
             </a:r>
             <a:endParaRPr lang="en-US" dirty="0"/>
@@ -6015,19 +6048,19 @@
           <a:lstStyle/>
           <a:p>
             <a:r>
-              <a:rPr lang="fi-FI" sz="3200" dirty="0" err="1" smtClean="0"/>
+              <a:rPr lang="fi-FI" sz="3200" dirty="0" err="1"/>
               <a:t>First</a:t>
             </a:r>
             <a:r>
-              <a:rPr lang="fi-FI" sz="3200" dirty="0" smtClean="0"/>
+              <a:rPr lang="fi-FI" sz="3200" dirty="0"/>
               <a:t> idea: ARM </a:t>
             </a:r>
             <a:r>
-              <a:rPr lang="fi-FI" sz="3200" dirty="0" err="1" smtClean="0"/>
+              <a:rPr lang="fi-FI" sz="3200" dirty="0" err="1"/>
               <a:t>Cortex</a:t>
             </a:r>
             <a:r>
-              <a:rPr lang="fi-FI" sz="3200" dirty="0" smtClean="0"/>
+              <a:rPr lang="fi-FI" sz="3200" dirty="0"/>
               <a:t>-M MCU</a:t>
             </a:r>
             <a:endParaRPr lang="en-US" sz="3200" dirty="0"/>
@@ -6050,64 +6083,64 @@
           <a:lstStyle/>
           <a:p>
             <a:r>
-              <a:rPr lang="fi-FI" dirty="0" smtClean="0"/>
+              <a:rPr lang="fi-FI" dirty="0"/>
               <a:t>To </a:t>
             </a:r>
             <a:r>
-              <a:rPr lang="fi-FI" dirty="0" err="1" smtClean="0"/>
+              <a:rPr lang="fi-FI" dirty="0" err="1"/>
               <a:t>slow</a:t>
             </a:r>
             <a:r>
-              <a:rPr lang="fi-FI" dirty="0" smtClean="0"/>
+              <a:rPr lang="fi-FI" dirty="0"/>
               <a:t> CPU</a:t>
             </a:r>
           </a:p>
           <a:p>
             <a:r>
-              <a:rPr lang="fi-FI" dirty="0" smtClean="0"/>
+              <a:rPr lang="fi-FI" dirty="0"/>
               <a:t>No </a:t>
             </a:r>
             <a:r>
-              <a:rPr lang="fi-FI" dirty="0" err="1" smtClean="0"/>
+              <a:rPr lang="fi-FI" dirty="0" err="1"/>
               <a:t>audio</a:t>
             </a:r>
             <a:r>
-              <a:rPr lang="fi-FI" dirty="0" smtClean="0"/>
+              <a:rPr lang="fi-FI" dirty="0"/>
               <a:t> </a:t>
             </a:r>
             <a:r>
-              <a:rPr lang="fi-FI" dirty="0" err="1" smtClean="0"/>
+              <a:rPr lang="fi-FI" dirty="0" err="1"/>
               <a:t>processing</a:t>
             </a:r>
             <a:r>
-              <a:rPr lang="fi-FI" dirty="0" smtClean="0"/>
+              <a:rPr lang="fi-FI" dirty="0"/>
               <a:t> </a:t>
             </a:r>
             <a:r>
-              <a:rPr lang="fi-FI" dirty="0" err="1" smtClean="0"/>
+              <a:rPr lang="fi-FI" dirty="0" err="1"/>
               <a:t>libraries</a:t>
             </a:r>
-            <a:endParaRPr lang="fi-FI" dirty="0" smtClean="0"/>
-          </a:p>
-          <a:p>
-            <a:r>
-              <a:rPr lang="fi-FI" dirty="0" err="1" smtClean="0"/>
+            <a:endParaRPr lang="fi-FI" dirty="0"/>
+          </a:p>
+          <a:p>
+            <a:r>
+              <a:rPr lang="fi-FI" dirty="0" err="1"/>
               <a:t>Complex</a:t>
             </a:r>
             <a:r>
-              <a:rPr lang="fi-FI" dirty="0" smtClean="0"/>
+              <a:rPr lang="fi-FI" dirty="0"/>
               <a:t> to </a:t>
             </a:r>
             <a:r>
-              <a:rPr lang="fi-FI" dirty="0" err="1" smtClean="0"/>
+              <a:rPr lang="fi-FI" dirty="0" err="1"/>
               <a:t>develop</a:t>
             </a:r>
             <a:r>
-              <a:rPr lang="fi-FI" dirty="0" smtClean="0"/>
+              <a:rPr lang="fi-FI" dirty="0"/>
               <a:t> and </a:t>
             </a:r>
             <a:r>
-              <a:rPr lang="fi-FI" dirty="0" err="1" smtClean="0"/>
+              <a:rPr lang="fi-FI" dirty="0" err="1"/>
               <a:t>debug</a:t>
             </a:r>
             <a:endParaRPr lang="en-US" dirty="0"/>
@@ -6137,20 +6170,8 @@
           <a:lstStyle/>
           <a:p>
             <a:r>
-              <a:rPr lang="fi-FI" sz="3200" dirty="0" err="1" smtClean="0"/>
-              <a:t>Final</a:t>
-            </a:r>
-            <a:r>
-              <a:rPr lang="fi-FI" sz="3200" dirty="0" smtClean="0"/>
-              <a:t> idea: </a:t>
-            </a:r>
-            <a:r>
-              <a:rPr lang="fi-FI" sz="3200" dirty="0" err="1" smtClean="0"/>
-              <a:t>Raspbery</a:t>
-            </a:r>
-            <a:r>
-              <a:rPr lang="fi-FI" sz="3200" dirty="0" smtClean="0"/>
-              <a:t> P and Linux</a:t>
+              <a:rPr lang="fi-FI" sz="3200" dirty="0"/>
+              <a:t>Final idea: Raspbery Pi and Linux</a:t>
             </a:r>
             <a:endParaRPr lang="en-US" sz="3200" dirty="0"/>
           </a:p>
@@ -6172,96 +6193,96 @@
           <a:lstStyle/>
           <a:p>
             <a:r>
-              <a:rPr lang="fi-FI" dirty="0" smtClean="0"/>
+              <a:rPr lang="fi-FI" dirty="0"/>
               <a:t>”</a:t>
             </a:r>
             <a:r>
-              <a:rPr lang="fi-FI" dirty="0" err="1" smtClean="0"/>
+              <a:rPr lang="fi-FI" dirty="0" err="1"/>
               <a:t>Powerfull</a:t>
             </a:r>
             <a:r>
-              <a:rPr lang="fi-FI" dirty="0" smtClean="0"/>
+              <a:rPr lang="fi-FI" dirty="0"/>
               <a:t>” CPU</a:t>
             </a:r>
           </a:p>
           <a:p>
             <a:r>
-              <a:rPr lang="fi-FI" dirty="0" err="1" smtClean="0"/>
+              <a:rPr lang="fi-FI" dirty="0" err="1"/>
               <a:t>Well</a:t>
             </a:r>
             <a:r>
-              <a:rPr lang="fi-FI" dirty="0" smtClean="0"/>
+              <a:rPr lang="fi-FI" dirty="0"/>
               <a:t> </a:t>
             </a:r>
             <a:r>
-              <a:rPr lang="fi-FI" dirty="0" err="1" smtClean="0"/>
+              <a:rPr lang="fi-FI" dirty="0" err="1"/>
               <a:t>documented</a:t>
             </a:r>
             <a:r>
-              <a:rPr lang="fi-FI" dirty="0" smtClean="0"/>
+              <a:rPr lang="fi-FI" dirty="0"/>
               <a:t> open </a:t>
             </a:r>
             <a:r>
-              <a:rPr lang="fi-FI" dirty="0" err="1" smtClean="0"/>
+              <a:rPr lang="fi-FI" dirty="0" err="1"/>
               <a:t>source</a:t>
             </a:r>
             <a:r>
-              <a:rPr lang="fi-FI" dirty="0" smtClean="0"/>
+              <a:rPr lang="fi-FI" dirty="0"/>
               <a:t> </a:t>
             </a:r>
             <a:r>
-              <a:rPr lang="fi-FI" dirty="0" err="1" smtClean="0"/>
+              <a:rPr lang="fi-FI" dirty="0" err="1"/>
               <a:t>audio</a:t>
             </a:r>
             <a:r>
-              <a:rPr lang="fi-FI" dirty="0" smtClean="0"/>
+              <a:rPr lang="fi-FI" dirty="0"/>
               <a:t> </a:t>
             </a:r>
             <a:r>
-              <a:rPr lang="fi-FI" dirty="0" err="1" smtClean="0"/>
+              <a:rPr lang="fi-FI" dirty="0" err="1"/>
               <a:t>libraries</a:t>
             </a:r>
-            <a:endParaRPr lang="fi-FI" dirty="0" smtClean="0"/>
-          </a:p>
-          <a:p>
-            <a:r>
-              <a:rPr lang="fi-FI" dirty="0" err="1" smtClean="0"/>
+            <a:endParaRPr lang="fi-FI" dirty="0"/>
+          </a:p>
+          <a:p>
+            <a:r>
+              <a:rPr lang="fi-FI" dirty="0" err="1"/>
               <a:t>Use</a:t>
             </a:r>
             <a:r>
-              <a:rPr lang="fi-FI" dirty="0" smtClean="0"/>
+              <a:rPr lang="fi-FI" dirty="0"/>
               <a:t> ALSA and </a:t>
             </a:r>
             <a:r>
-              <a:rPr lang="fi-FI" dirty="0" err="1" smtClean="0"/>
+              <a:rPr lang="fi-FI" dirty="0" err="1"/>
               <a:t>PulseAudio</a:t>
             </a:r>
             <a:r>
-              <a:rPr lang="fi-FI" dirty="0" smtClean="0"/>
+              <a:rPr lang="fi-FI" dirty="0"/>
               <a:t> to </a:t>
             </a:r>
             <a:r>
-              <a:rPr lang="fi-FI" dirty="0" err="1" smtClean="0"/>
+              <a:rPr lang="fi-FI" dirty="0" err="1"/>
               <a:t>abstract</a:t>
             </a:r>
             <a:r>
-              <a:rPr lang="fi-FI" dirty="0" smtClean="0"/>
+              <a:rPr lang="fi-FI" dirty="0"/>
               <a:t> </a:t>
             </a:r>
             <a:r>
-              <a:rPr lang="fi-FI" dirty="0" err="1" smtClean="0"/>
+              <a:rPr lang="fi-FI" dirty="0" err="1"/>
               <a:t>from</a:t>
             </a:r>
             <a:r>
-              <a:rPr lang="fi-FI" dirty="0" smtClean="0"/>
+              <a:rPr lang="fi-FI" dirty="0"/>
               <a:t> </a:t>
             </a:r>
             <a:r>
-              <a:rPr lang="fi-FI" dirty="0" err="1" smtClean="0"/>
+              <a:rPr lang="fi-FI" dirty="0" err="1"/>
               <a:t>audio</a:t>
             </a:r>
             <a:r>
-              <a:rPr lang="fi-FI" dirty="0" smtClean="0"/>
+              <a:rPr lang="fi-FI" dirty="0"/>
               <a:t> hardware</a:t>
             </a:r>
             <a:endParaRPr lang="en-US" dirty="0"/>
@@ -6319,19 +6340,19 @@
           <a:lstStyle/>
           <a:p>
             <a:r>
-              <a:rPr lang="fi-FI" dirty="0" err="1" smtClean="0"/>
+              <a:rPr lang="fi-FI" dirty="0" err="1"/>
               <a:t>Implementation</a:t>
             </a:r>
             <a:r>
-              <a:rPr lang="fi-FI" dirty="0" smtClean="0"/>
+              <a:rPr lang="fi-FI" dirty="0"/>
               <a:t> </a:t>
             </a:r>
             <a:r>
-              <a:rPr lang="fi-FI" dirty="0" err="1" smtClean="0"/>
+              <a:rPr lang="fi-FI" dirty="0" err="1"/>
               <a:t>details</a:t>
             </a:r>
             <a:r>
-              <a:rPr lang="fi-FI" dirty="0" smtClean="0"/>
+              <a:rPr lang="fi-FI" dirty="0"/>
               <a:t>.</a:t>
             </a:r>
             <a:endParaRPr lang="en-US" dirty="0"/>
@@ -6359,7 +6380,7 @@
           <a:lstStyle/>
           <a:p>
             <a:r>
-              <a:rPr lang="fi-FI" u="sng" dirty="0" smtClean="0">
+              <a:rPr lang="fi-FI" u="sng" dirty="0">
                 <a:solidFill>
                   <a:schemeClr val="accent1">
                     <a:lumMod val="60000"/>
@@ -6378,21 +6399,10 @@
                   </a:schemeClr>
                 </a:solidFill>
               </a:rPr>
-              <a:t>Advanced Linux Sound </a:t>
-            </a:r>
-            <a:r>
-              <a:rPr lang="en-US" b="1" u="sng" dirty="0" smtClean="0">
-                <a:solidFill>
-                  <a:schemeClr val="accent1">
-                    <a:lumMod val="60000"/>
-                    <a:lumOff val="40000"/>
-                  </a:schemeClr>
-                </a:solidFill>
-              </a:rPr>
-              <a:t>Architecture</a:t>
-            </a:r>
-            <a:r>
-              <a:rPr lang="fi-FI" u="sng" dirty="0" smtClean="0">
+              <a:t>Advanced Linux Sound Architecture</a:t>
+            </a:r>
+            <a:r>
+              <a:rPr lang="fi-FI" u="sng" dirty="0">
                 <a:solidFill>
                   <a:schemeClr val="accent1">
                     <a:lumMod val="60000"/>
@@ -6402,121 +6412,117 @@
               </a:rPr>
               <a:t>)</a:t>
             </a:r>
-            <a:r>
-              <a:rPr lang="fi-FI" u="sng" dirty="0" smtClean="0"/>
-              <a:t/>
-            </a:r>
             <a:br>
-              <a:rPr lang="fi-FI" u="sng" dirty="0" smtClean="0"/>
+              <a:rPr lang="fi-FI" u="sng" dirty="0"/>
             </a:br>
             <a:r>
-              <a:rPr lang="fi-FI" dirty="0" err="1" smtClean="0"/>
+              <a:rPr lang="fi-FI" dirty="0" err="1"/>
               <a:t>Allows</a:t>
             </a:r>
             <a:r>
-              <a:rPr lang="fi-FI" dirty="0" smtClean="0"/>
+              <a:rPr lang="fi-FI" dirty="0"/>
               <a:t> to </a:t>
             </a:r>
             <a:r>
-              <a:rPr lang="fi-FI" dirty="0" err="1" smtClean="0"/>
+              <a:rPr lang="fi-FI" dirty="0" err="1"/>
               <a:t>abstarct</a:t>
             </a:r>
             <a:r>
-              <a:rPr lang="fi-FI" dirty="0" smtClean="0"/>
+              <a:rPr lang="fi-FI" dirty="0"/>
               <a:t> </a:t>
             </a:r>
             <a:r>
-              <a:rPr lang="fi-FI" dirty="0" err="1" smtClean="0"/>
+              <a:rPr lang="fi-FI" dirty="0" err="1"/>
               <a:t>from</a:t>
             </a:r>
             <a:r>
-              <a:rPr lang="fi-FI" dirty="0" smtClean="0"/>
+              <a:rPr lang="fi-FI" dirty="0"/>
               <a:t> </a:t>
             </a:r>
             <a:r>
-              <a:rPr lang="fi-FI" dirty="0" err="1" smtClean="0"/>
+              <a:rPr lang="fi-FI" dirty="0" err="1"/>
               <a:t>audio</a:t>
             </a:r>
             <a:r>
-              <a:rPr lang="fi-FI" dirty="0" smtClean="0"/>
+              <a:rPr lang="fi-FI" dirty="0"/>
               <a:t> hardware. </a:t>
             </a:r>
             <a:r>
-              <a:rPr lang="fi-FI" dirty="0" err="1" smtClean="0"/>
+              <a:rPr lang="fi-FI" dirty="0" err="1"/>
               <a:t>Module</a:t>
             </a:r>
             <a:r>
-              <a:rPr lang="fi-FI" dirty="0" smtClean="0"/>
+              <a:rPr lang="fi-FI" dirty="0"/>
               <a:t> </a:t>
             </a:r>
             <a:r>
-              <a:rPr lang="fi-FI" dirty="0" err="1" smtClean="0"/>
+              <a:rPr lang="fi-FI" dirty="0" err="1"/>
               <a:t>will</a:t>
             </a:r>
             <a:r>
-              <a:rPr lang="fi-FI" dirty="0" smtClean="0"/>
+              <a:rPr lang="fi-FI" dirty="0"/>
               <a:t> </a:t>
             </a:r>
             <a:r>
-              <a:rPr lang="fi-FI" dirty="0" err="1" smtClean="0"/>
+              <a:rPr lang="fi-FI" dirty="0" err="1"/>
               <a:t>works</a:t>
             </a:r>
             <a:r>
-              <a:rPr lang="fi-FI" dirty="0" smtClean="0"/>
+              <a:rPr lang="fi-FI" dirty="0"/>
               <a:t> </a:t>
             </a:r>
             <a:r>
-              <a:rPr lang="fi-FI" dirty="0" err="1" smtClean="0"/>
+              <a:rPr lang="fi-FI" dirty="0" err="1"/>
               <a:t>with</a:t>
             </a:r>
             <a:r>
-              <a:rPr lang="fi-FI" dirty="0" smtClean="0"/>
+              <a:rPr lang="fi-FI" dirty="0"/>
               <a:t> </a:t>
             </a:r>
             <a:r>
-              <a:rPr lang="fi-FI" dirty="0" err="1" smtClean="0"/>
+              <a:rPr lang="fi-FI" dirty="0" err="1"/>
               <a:t>any</a:t>
             </a:r>
             <a:r>
-              <a:rPr lang="fi-FI" dirty="0" smtClean="0"/>
+              <a:rPr lang="fi-FI" dirty="0"/>
               <a:t> </a:t>
             </a:r>
             <a:r>
-              <a:rPr lang="fi-FI" dirty="0" err="1" smtClean="0"/>
+              <a:rPr lang="fi-FI" dirty="0" err="1"/>
               <a:t>soundcard</a:t>
             </a:r>
             <a:r>
-              <a:rPr lang="fi-FI" dirty="0" smtClean="0"/>
+              <a:rPr lang="fi-FI" dirty="0"/>
               <a:t>, </a:t>
             </a:r>
             <a:r>
-              <a:rPr lang="fi-FI" dirty="0" err="1" smtClean="0"/>
+              <a:rPr lang="fi-FI" dirty="0" err="1"/>
               <a:t>if</a:t>
             </a:r>
             <a:r>
-              <a:rPr lang="fi-FI" dirty="0" smtClean="0"/>
+              <a:rPr lang="fi-FI" dirty="0"/>
               <a:t> it </a:t>
             </a:r>
             <a:r>
-              <a:rPr lang="fi-FI" dirty="0" err="1" smtClean="0"/>
+              <a:rPr lang="fi-FI" dirty="0" err="1"/>
               <a:t>has</a:t>
             </a:r>
             <a:r>
-              <a:rPr lang="fi-FI" dirty="0" smtClean="0"/>
+              <a:rPr lang="fi-FI" dirty="0"/>
               <a:t> Linux </a:t>
             </a:r>
             <a:r>
-              <a:rPr lang="fi-FI" dirty="0" err="1" smtClean="0"/>
+              <a:rPr lang="fi-FI" dirty="0" err="1"/>
               <a:t>driver</a:t>
             </a:r>
             <a:r>
-              <a:rPr lang="fi-FI" dirty="0" smtClean="0"/>
+              <a:rPr lang="fi-FI" dirty="0"/>
               <a:t>.</a:t>
             </a:r>
             <a:br>
-              <a:rPr lang="fi-FI" dirty="0" smtClean="0"/>
+              <a:rPr lang="fi-FI" dirty="0"/>
             </a:br>
-            <a:endParaRPr lang="fi-FI" dirty="0" smtClean="0"/>
+            <a:endParaRPr lang="fi-FI" dirty="0"/>
           </a:p>
           <a:p>
             <a:r>
@@ -6550,18 +6556,7 @@
                   </a:schemeClr>
                 </a:solidFill>
               </a:rPr>
-              <a:t> in C++ (STK</a:t>
-            </a:r>
-            <a:r>
-              <a:rPr lang="en-US" b="1" u="sng" dirty="0" smtClean="0">
-                <a:solidFill>
-                  <a:schemeClr val="accent1">
-                    <a:lumMod val="60000"/>
-                    <a:lumOff val="40000"/>
-                  </a:schemeClr>
-                </a:solidFill>
-              </a:rPr>
-              <a:t>) </a:t>
+              <a:t> in C++ (STK) </a:t>
             </a:r>
             <a:r>
               <a:rPr lang="en-US" u="sng" dirty="0">
@@ -6574,18 +6569,13 @@
               </a:rPr>
               <a:t>https://ccrma.stanford.edu/software/stk/</a:t>
             </a:r>
-            <a:r>
-              <a:rPr lang="en-US" dirty="0"/>
-              <a:t/>
-            </a:r>
             <a:br>
               <a:rPr lang="en-US" dirty="0"/>
             </a:br>
             <a:r>
-              <a:rPr lang="en-US" dirty="0" smtClean="0"/>
+              <a:rPr lang="en-US" dirty="0"/>
               <a:t>Open source audio processing library, well documented, very easy to integrate to the project as Linux library.</a:t>
             </a:r>
-            <a:endParaRPr lang="en-US" dirty="0"/>
           </a:p>
         </p:txBody>
       </p:sp>
@@ -6640,15 +6630,15 @@
           <a:lstStyle/>
           <a:p>
             <a:r>
-              <a:rPr lang="fi-FI" dirty="0" err="1" smtClean="0"/>
+              <a:rPr lang="fi-FI" dirty="0" err="1"/>
               <a:t>Effect</a:t>
             </a:r>
             <a:r>
-              <a:rPr lang="fi-FI" dirty="0" smtClean="0"/>
+              <a:rPr lang="fi-FI" dirty="0"/>
               <a:t> </a:t>
             </a:r>
             <a:r>
-              <a:rPr lang="fi-FI" dirty="0" err="1" smtClean="0"/>
+              <a:rPr lang="fi-FI" dirty="0" err="1"/>
               <a:t>list</a:t>
             </a:r>
             <a:endParaRPr lang="en-US" dirty="0"/>
@@ -6689,16 +6679,8 @@
               <a:t>Frequency filters </a:t>
             </a:r>
             <a:r>
-              <a:rPr lang="en-US" dirty="0" smtClean="0"/>
-              <a:t>(three </a:t>
-            </a:r>
-            <a:r>
               <a:rPr lang="en-US" dirty="0"/>
-              <a:t>low-pass filters, two band-pass filters and one high-pass filter</a:t>
-            </a:r>
-            <a:r>
-              <a:rPr lang="en-US" dirty="0" smtClean="0"/>
-              <a:t>).</a:t>
+              <a:t>(three low-pass filters, two band-pass filters and one high-pass filter).</a:t>
             </a:r>
           </a:p>
           <a:p>
@@ -6711,30 +6693,11 @@
                   </a:schemeClr>
                 </a:solidFill>
               </a:rPr>
-              <a:t>Delay </a:t>
-            </a:r>
-            <a:r>
-              <a:rPr lang="en-US" dirty="0" smtClean="0">
-                <a:solidFill>
-                  <a:schemeClr val="accent1">
-                    <a:lumMod val="60000"/>
-                    <a:lumOff val="40000"/>
-                  </a:schemeClr>
-                </a:solidFill>
-              </a:rPr>
-              <a:t>blocks </a:t>
-            </a:r>
-            <a:r>
-              <a:rPr lang="en-US" dirty="0" smtClean="0"/>
-              <a:t>("</a:t>
+              <a:t>Delay blocks </a:t>
             </a:r>
             <a:r>
               <a:rPr lang="en-US" dirty="0"/>
-              <a:t>echo" effect</a:t>
-            </a:r>
-            <a:r>
-              <a:rPr lang="en-US" dirty="0" smtClean="0"/>
-              <a:t>).</a:t>
+              <a:t>("echo" effect).</a:t>
             </a:r>
           </a:p>
           <a:p>
@@ -6751,15 +6714,7 @@
             </a:r>
             <a:r>
               <a:rPr lang="en-US" dirty="0"/>
-              <a:t> </a:t>
-            </a:r>
-            <a:r>
-              <a:rPr lang="en-US" dirty="0" smtClean="0"/>
-              <a:t>(one </a:t>
-            </a:r>
-            <a:r>
-              <a:rPr lang="en-US" dirty="0"/>
-              <a:t>"vibrato" effect which multiply incoming audio signal and sinusoidal wave)</a:t>
+              <a:t> (one "vibrato" effect which multiply incoming audio signal and sinusoidal wave)</a:t>
             </a:r>
           </a:p>
           <a:p>
@@ -6772,76 +6727,21 @@
                   </a:schemeClr>
                 </a:solidFill>
               </a:rPr>
-              <a:t>Non-linear </a:t>
-            </a:r>
-            <a:r>
-              <a:rPr lang="en-US" dirty="0" smtClean="0">
-                <a:solidFill>
-                  <a:schemeClr val="accent1">
-                    <a:lumMod val="60000"/>
-                    <a:lumOff val="40000"/>
-                  </a:schemeClr>
-                </a:solidFill>
-              </a:rPr>
-              <a:t>blocks </a:t>
-            </a:r>
-            <a:r>
-              <a:rPr lang="en-US" dirty="0" smtClean="0"/>
-              <a:t>("</a:t>
+              <a:t>Non-linear blocks </a:t>
             </a:r>
             <a:r>
               <a:rPr lang="en-US" dirty="0"/>
-              <a:t>distortion" </a:t>
-            </a:r>
-            <a:r>
-              <a:rPr lang="en-US" dirty="0" smtClean="0"/>
-              <a:t>effect)</a:t>
-            </a:r>
-            <a:r>
-              <a:rPr lang="en-US" dirty="0"/>
-              <a:t/>
+              <a:t>("distortion" effect)</a:t>
             </a:r>
             <a:br>
               <a:rPr lang="en-US" dirty="0"/>
             </a:br>
-            <a:r>
-              <a:rPr lang="en-US" dirty="0"/>
-              <a:t/>
-            </a:r>
             <a:br>
               <a:rPr lang="en-US" dirty="0"/>
             </a:br>
             <a:r>
-              <a:rPr lang="en-US" dirty="0" smtClean="0"/>
-              <a:t>By combining this 4 basic </a:t>
-            </a:r>
-            <a:r>
               <a:rPr lang="en-US" dirty="0"/>
-              <a:t>blocks </a:t>
-            </a:r>
-            <a:r>
-              <a:rPr lang="en-US" dirty="0" smtClean="0"/>
-              <a:t>every effect can be implemented, we </a:t>
-            </a:r>
-            <a:r>
-              <a:rPr lang="en-US" dirty="0"/>
-              <a:t>can have in real synthesizer. </a:t>
-            </a:r>
-            <a:r>
-              <a:rPr lang="en-US" dirty="0" smtClean="0"/>
-              <a:t>Here we </a:t>
-            </a:r>
-            <a:r>
-              <a:rPr lang="en-US" dirty="0"/>
-              <a:t>demonstrate that our program is capable of doing everything what </a:t>
-            </a:r>
-            <a:r>
-              <a:rPr lang="en-US" dirty="0" smtClean="0"/>
-              <a:t>is may be </a:t>
-            </a:r>
-            <a:r>
-              <a:rPr lang="en-US" dirty="0"/>
-              <a:t>required by end user.</a:t>
+              <a:t>By combining this 4 basic blocks every effect can be implemented, we can have in real synthesizer. Here we demonstrate that our program is capable of doing everything what is may be required by end user.</a:t>
             </a:r>
           </a:p>
           <a:p>
@@ -6897,10 +6797,9 @@
           <a:lstStyle/>
           <a:p>
             <a:r>
-              <a:rPr lang="en-US" sz="3200" dirty="0" smtClean="0"/>
+              <a:rPr lang="en-US" sz="3200" dirty="0"/>
               <a:t>https://github.com/AlekseiGimbitskii/MySynth_ELT-23056</a:t>
             </a:r>
-            <a:endParaRPr lang="en-US" sz="3200" dirty="0"/>
           </a:p>
         </p:txBody>
       </p:sp>
@@ -6925,11 +6824,11 @@
           <a:lstStyle/>
           <a:p>
             <a:r>
-              <a:rPr lang="fi-FI" dirty="0" err="1" smtClean="0"/>
+              <a:rPr lang="fi-FI" dirty="0" err="1"/>
               <a:t>Do</a:t>
             </a:r>
             <a:r>
-              <a:rPr lang="fi-FI" dirty="0" smtClean="0"/>
+              <a:rPr lang="fi-FI" dirty="0"/>
               <a:t> </a:t>
             </a:r>
             <a:r>
@@ -6951,273 +6850,269 @@
           </a:p>
           <a:p>
             <a:r>
-              <a:rPr lang="fi-FI" dirty="0" err="1" smtClean="0"/>
+              <a:rPr lang="fi-FI" dirty="0" err="1"/>
               <a:t>Use</a:t>
             </a:r>
             <a:r>
-              <a:rPr lang="fi-FI" dirty="0" smtClean="0"/>
+              <a:rPr lang="fi-FI" dirty="0"/>
               <a:t> Linux ALSA</a:t>
             </a:r>
           </a:p>
           <a:p>
             <a:r>
-              <a:rPr lang="fi-FI" dirty="0" err="1" smtClean="0"/>
+              <a:rPr lang="fi-FI" dirty="0" err="1"/>
               <a:t>Utilize</a:t>
             </a:r>
             <a:r>
-              <a:rPr lang="fi-FI" dirty="0" smtClean="0"/>
+              <a:rPr lang="fi-FI" dirty="0"/>
               <a:t> STK </a:t>
             </a:r>
             <a:r>
-              <a:rPr lang="fi-FI" dirty="0" err="1" smtClean="0"/>
+              <a:rPr lang="fi-FI" dirty="0" err="1"/>
               <a:t>library</a:t>
             </a:r>
             <a:r>
-              <a:rPr lang="fi-FI" dirty="0" smtClean="0"/>
+              <a:rPr lang="fi-FI" dirty="0"/>
               <a:t> (open </a:t>
             </a:r>
             <a:r>
-              <a:rPr lang="fi-FI" dirty="0" err="1" smtClean="0"/>
+              <a:rPr lang="fi-FI" dirty="0" err="1"/>
               <a:t>source</a:t>
-            </a:r>
-            <a:r>
-              <a:rPr lang="fi-FI" dirty="0" smtClean="0"/>
-              <a:t> </a:t>
-            </a:r>
-            <a:r>
-              <a:rPr lang="fi-FI" dirty="0" err="1" smtClean="0"/>
-              <a:t>audio</a:t>
-            </a:r>
-            <a:r>
-              <a:rPr lang="fi-FI" dirty="0" smtClean="0"/>
-              <a:t> </a:t>
-            </a:r>
-            <a:r>
-              <a:rPr lang="fi-FI" dirty="0" err="1" smtClean="0"/>
-              <a:t>processing</a:t>
-            </a:r>
-            <a:r>
-              <a:rPr lang="fi-FI" dirty="0" smtClean="0"/>
-              <a:t> </a:t>
-            </a:r>
-            <a:r>
-              <a:rPr lang="fi-FI" dirty="0" err="1" smtClean="0"/>
-              <a:t>library</a:t>
-            </a:r>
-            <a:r>
-              <a:rPr lang="fi-FI" dirty="0" smtClean="0"/>
-              <a:t>)</a:t>
-            </a:r>
-          </a:p>
-          <a:p>
-            <a:r>
-              <a:rPr lang="fi-FI" dirty="0" err="1"/>
-              <a:t>R</a:t>
-            </a:r>
-            <a:r>
-              <a:rPr lang="fi-FI" dirty="0" err="1" smtClean="0"/>
-              <a:t>un</a:t>
-            </a:r>
-            <a:r>
-              <a:rPr lang="fi-FI" dirty="0" smtClean="0"/>
-              <a:t> Python </a:t>
-            </a:r>
-            <a:r>
-              <a:rPr lang="fi-FI" dirty="0" err="1" smtClean="0"/>
-              <a:t>code</a:t>
-            </a:r>
-            <a:r>
-              <a:rPr lang="fi-FI" dirty="0" smtClean="0"/>
-              <a:t> </a:t>
-            </a:r>
-            <a:r>
-              <a:rPr lang="fi-FI" dirty="0" err="1" smtClean="0"/>
-              <a:t>from</a:t>
-            </a:r>
-            <a:r>
-              <a:rPr lang="fi-FI" dirty="0" smtClean="0"/>
-              <a:t> C/C++ </a:t>
-            </a:r>
-            <a:r>
-              <a:rPr lang="fi-FI" dirty="0" err="1" smtClean="0"/>
-              <a:t>program</a:t>
-            </a:r>
-            <a:endParaRPr lang="fi-FI" dirty="0" smtClean="0"/>
-          </a:p>
-          <a:p>
-            <a:pPr marL="0" indent="0">
-              <a:buNone/>
-            </a:pPr>
-            <a:r>
-              <a:rPr lang="fi-FI" dirty="0" smtClean="0"/>
-              <a:t>If </a:t>
-            </a:r>
-            <a:r>
-              <a:rPr lang="fi-FI" dirty="0" err="1" smtClean="0"/>
-              <a:t>you</a:t>
-            </a:r>
-            <a:r>
-              <a:rPr lang="fi-FI" dirty="0" smtClean="0"/>
-              <a:t> </a:t>
-            </a:r>
-            <a:r>
-              <a:rPr lang="fi-FI" dirty="0" err="1" smtClean="0"/>
-              <a:t>are</a:t>
-            </a:r>
-            <a:r>
-              <a:rPr lang="fi-FI" dirty="0" smtClean="0"/>
-              <a:t> </a:t>
-            </a:r>
-            <a:r>
-              <a:rPr lang="fi-FI" dirty="0" err="1" smtClean="0"/>
-              <a:t>curious</a:t>
-            </a:r>
-            <a:r>
-              <a:rPr lang="fi-FI" dirty="0" smtClean="0"/>
-              <a:t> of </a:t>
-            </a:r>
-            <a:r>
-              <a:rPr lang="fi-FI" dirty="0" err="1" smtClean="0"/>
-              <a:t>something</a:t>
-            </a:r>
-            <a:r>
-              <a:rPr lang="fi-FI" dirty="0" smtClean="0"/>
-              <a:t> </a:t>
-            </a:r>
-            <a:r>
-              <a:rPr lang="fi-FI" dirty="0" err="1" smtClean="0"/>
-              <a:t>from</a:t>
-            </a:r>
-            <a:r>
-              <a:rPr lang="fi-FI" dirty="0" smtClean="0"/>
-              <a:t> </a:t>
-            </a:r>
-            <a:r>
-              <a:rPr lang="fi-FI" dirty="0" err="1" smtClean="0"/>
-              <a:t>this</a:t>
-            </a:r>
-            <a:r>
-              <a:rPr lang="fi-FI" dirty="0" smtClean="0"/>
-              <a:t> </a:t>
-            </a:r>
-            <a:r>
-              <a:rPr lang="fi-FI" dirty="0" err="1" smtClean="0"/>
-              <a:t>list</a:t>
             </a:r>
             <a:r>
               <a:rPr lang="fi-FI" dirty="0"/>
               <a:t> </a:t>
             </a:r>
             <a:r>
-              <a:rPr lang="fi-FI" dirty="0" err="1" smtClean="0"/>
+              <a:rPr lang="fi-FI" dirty="0" err="1"/>
+              <a:t>audio</a:t>
+            </a:r>
+            <a:r>
+              <a:rPr lang="fi-FI" dirty="0"/>
+              <a:t> </a:t>
+            </a:r>
+            <a:r>
+              <a:rPr lang="fi-FI" dirty="0" err="1"/>
+              <a:t>processing</a:t>
+            </a:r>
+            <a:r>
+              <a:rPr lang="fi-FI" dirty="0"/>
+              <a:t> </a:t>
+            </a:r>
+            <a:r>
+              <a:rPr lang="fi-FI" dirty="0" err="1"/>
+              <a:t>library</a:t>
+            </a:r>
+            <a:r>
+              <a:rPr lang="fi-FI" dirty="0"/>
+              <a:t>)</a:t>
+            </a:r>
+          </a:p>
+          <a:p>
+            <a:r>
+              <a:rPr lang="fi-FI" dirty="0" err="1"/>
+              <a:t>Run</a:t>
+            </a:r>
+            <a:r>
+              <a:rPr lang="fi-FI" dirty="0"/>
+              <a:t> Python </a:t>
+            </a:r>
+            <a:r>
+              <a:rPr lang="fi-FI" dirty="0" err="1"/>
+              <a:t>code</a:t>
+            </a:r>
+            <a:r>
+              <a:rPr lang="fi-FI" dirty="0"/>
+              <a:t> </a:t>
+            </a:r>
+            <a:r>
+              <a:rPr lang="fi-FI" dirty="0" err="1"/>
+              <a:t>from</a:t>
+            </a:r>
+            <a:r>
+              <a:rPr lang="fi-FI" dirty="0"/>
+              <a:t> C/C++ </a:t>
+            </a:r>
+            <a:r>
+              <a:rPr lang="fi-FI" dirty="0" err="1"/>
+              <a:t>program</a:t>
+            </a:r>
+            <a:endParaRPr lang="fi-FI" dirty="0"/>
+          </a:p>
+          <a:p>
+            <a:pPr marL="0" indent="0">
+              <a:buNone/>
+            </a:pPr>
+            <a:r>
+              <a:rPr lang="fi-FI" dirty="0"/>
+              <a:t>If </a:t>
+            </a:r>
+            <a:r>
+              <a:rPr lang="fi-FI" dirty="0" err="1"/>
+              <a:t>you</a:t>
+            </a:r>
+            <a:r>
+              <a:rPr lang="fi-FI" dirty="0"/>
+              <a:t> </a:t>
+            </a:r>
+            <a:r>
+              <a:rPr lang="fi-FI" dirty="0" err="1"/>
+              <a:t>are</a:t>
+            </a:r>
+            <a:r>
+              <a:rPr lang="fi-FI" dirty="0"/>
+              <a:t> </a:t>
+            </a:r>
+            <a:r>
+              <a:rPr lang="fi-FI" dirty="0" err="1"/>
+              <a:t>curious</a:t>
+            </a:r>
+            <a:r>
+              <a:rPr lang="fi-FI" dirty="0"/>
+              <a:t> of </a:t>
+            </a:r>
+            <a:r>
+              <a:rPr lang="fi-FI" dirty="0" err="1"/>
+              <a:t>something</a:t>
+            </a:r>
+            <a:r>
+              <a:rPr lang="fi-FI" dirty="0"/>
+              <a:t> </a:t>
+            </a:r>
+            <a:r>
+              <a:rPr lang="fi-FI" dirty="0" err="1"/>
+              <a:t>from</a:t>
+            </a:r>
+            <a:r>
+              <a:rPr lang="fi-FI" dirty="0"/>
+              <a:t> </a:t>
+            </a:r>
+            <a:r>
+              <a:rPr lang="fi-FI" dirty="0" err="1"/>
+              <a:t>this</a:t>
+            </a:r>
+            <a:r>
+              <a:rPr lang="fi-FI" dirty="0"/>
+              <a:t> </a:t>
+            </a:r>
+            <a:r>
+              <a:rPr lang="fi-FI" dirty="0" err="1"/>
+              <a:t>list</a:t>
+            </a:r>
+            <a:r>
+              <a:rPr lang="fi-FI" dirty="0"/>
+              <a:t> </a:t>
+            </a:r>
+            <a:r>
+              <a:rPr lang="fi-FI" dirty="0" err="1"/>
               <a:t>or</a:t>
             </a:r>
             <a:r>
-              <a:rPr lang="fi-FI" dirty="0" smtClean="0"/>
+              <a:rPr lang="fi-FI" dirty="0"/>
               <a:t> </a:t>
             </a:r>
             <a:r>
-              <a:rPr lang="fi-FI" dirty="0" err="1" smtClean="0"/>
+              <a:rPr lang="fi-FI" dirty="0" err="1"/>
               <a:t>will</a:t>
             </a:r>
             <a:r>
-              <a:rPr lang="fi-FI" dirty="0" smtClean="0"/>
+              <a:rPr lang="fi-FI" dirty="0"/>
               <a:t> </a:t>
             </a:r>
             <a:r>
-              <a:rPr lang="fi-FI" dirty="0" err="1" smtClean="0"/>
+              <a:rPr lang="fi-FI" dirty="0" err="1"/>
               <a:t>need</a:t>
             </a:r>
             <a:r>
-              <a:rPr lang="fi-FI" dirty="0" smtClean="0"/>
+              <a:rPr lang="fi-FI" dirty="0"/>
               <a:t> to </a:t>
             </a:r>
             <a:r>
-              <a:rPr lang="fi-FI" dirty="0" err="1" smtClean="0"/>
+              <a:rPr lang="fi-FI" dirty="0" err="1"/>
               <a:t>do</a:t>
             </a:r>
             <a:r>
-              <a:rPr lang="fi-FI" dirty="0" smtClean="0"/>
+              <a:rPr lang="fi-FI" dirty="0"/>
               <a:t> it in </a:t>
             </a:r>
             <a:r>
-              <a:rPr lang="fi-FI" dirty="0" err="1" smtClean="0"/>
+              <a:rPr lang="fi-FI" dirty="0" err="1"/>
               <a:t>future</a:t>
             </a:r>
             <a:r>
-              <a:rPr lang="fi-FI" dirty="0" smtClean="0"/>
+              <a:rPr lang="fi-FI" dirty="0"/>
               <a:t>, </a:t>
             </a:r>
             <a:r>
-              <a:rPr lang="fi-FI" dirty="0" err="1" smtClean="0"/>
+              <a:rPr lang="fi-FI" dirty="0" err="1"/>
               <a:t>feel</a:t>
             </a:r>
             <a:r>
-              <a:rPr lang="fi-FI" dirty="0" smtClean="0"/>
+              <a:rPr lang="fi-FI" dirty="0"/>
               <a:t> </a:t>
             </a:r>
             <a:r>
-              <a:rPr lang="fi-FI" dirty="0" err="1" smtClean="0"/>
+              <a:rPr lang="fi-FI" dirty="0" err="1"/>
               <a:t>free</a:t>
             </a:r>
             <a:r>
-              <a:rPr lang="fi-FI" dirty="0" smtClean="0"/>
+              <a:rPr lang="fi-FI" dirty="0"/>
               <a:t> to </a:t>
             </a:r>
             <a:r>
-              <a:rPr lang="fi-FI" dirty="0" err="1" smtClean="0"/>
+              <a:rPr lang="fi-FI" dirty="0" err="1"/>
               <a:t>visit</a:t>
             </a:r>
             <a:r>
-              <a:rPr lang="fi-FI" dirty="0" smtClean="0"/>
+              <a:rPr lang="fi-FI" dirty="0"/>
               <a:t> </a:t>
             </a:r>
             <a:r>
-              <a:rPr lang="fi-FI" dirty="0" err="1" smtClean="0"/>
+              <a:rPr lang="fi-FI" dirty="0" err="1"/>
               <a:t>our</a:t>
             </a:r>
             <a:r>
-              <a:rPr lang="fi-FI" dirty="0" smtClean="0"/>
+              <a:rPr lang="fi-FI" dirty="0"/>
               <a:t> GitHub </a:t>
             </a:r>
             <a:r>
-              <a:rPr lang="fi-FI" dirty="0" err="1" smtClean="0"/>
+              <a:rPr lang="fi-FI" dirty="0" err="1"/>
               <a:t>repository</a:t>
             </a:r>
             <a:r>
-              <a:rPr lang="fi-FI" dirty="0" smtClean="0"/>
+              <a:rPr lang="fi-FI" dirty="0"/>
               <a:t> and </a:t>
             </a:r>
             <a:r>
-              <a:rPr lang="fi-FI" dirty="0" err="1" smtClean="0"/>
+              <a:rPr lang="fi-FI" dirty="0" err="1"/>
               <a:t>use</a:t>
             </a:r>
             <a:r>
-              <a:rPr lang="fi-FI" dirty="0" smtClean="0"/>
+              <a:rPr lang="fi-FI" dirty="0"/>
               <a:t> </a:t>
             </a:r>
             <a:r>
-              <a:rPr lang="fi-FI" dirty="0" err="1" smtClean="0"/>
+              <a:rPr lang="fi-FI" dirty="0" err="1"/>
               <a:t>our</a:t>
             </a:r>
             <a:r>
-              <a:rPr lang="fi-FI" dirty="0" smtClean="0"/>
+              <a:rPr lang="fi-FI" dirty="0"/>
               <a:t> </a:t>
             </a:r>
             <a:r>
-              <a:rPr lang="fi-FI" dirty="0" err="1" smtClean="0"/>
+              <a:rPr lang="fi-FI" dirty="0" err="1"/>
               <a:t>code</a:t>
             </a:r>
             <a:r>
-              <a:rPr lang="fi-FI" dirty="0" smtClean="0"/>
+              <a:rPr lang="fi-FI" dirty="0"/>
               <a:t> as </a:t>
             </a:r>
             <a:r>
-              <a:rPr lang="fi-FI" dirty="0" err="1" smtClean="0"/>
+              <a:rPr lang="fi-FI" dirty="0" err="1"/>
               <a:t>refercence</a:t>
             </a:r>
             <a:r>
-              <a:rPr lang="fi-FI" dirty="0" smtClean="0"/>
+              <a:rPr lang="fi-FI" dirty="0"/>
               <a:t>.</a:t>
             </a:r>
           </a:p>
